--- a/ML Algorithm/Basic Algorithms/Naive Bayes/Classification/Naive Bayes.pptx
+++ b/ML Algorithm/Basic Algorithms/Naive Bayes/Classification/Naive Bayes.pptx
@@ -18,6 +18,7 @@
     <p:sldId id="266" r:id="rId12"/>
     <p:sldId id="267" r:id="rId13"/>
     <p:sldId id="268" r:id="rId14"/>
+    <p:sldId id="269" r:id="rId15"/>
   </p:sldIdLst>
   <p:sldSz cx="12192000" cy="6858000"/>
   <p:notesSz cx="6858000" cy="9144000"/>
@@ -271,7 +272,7 @@
           <a:p>
             <a:fld id="{2D8EB905-EBB6-48B4-B888-C05DEA69D18C}" type="datetimeFigureOut">
               <a:rPr lang="en-US" smtClean="0"/>
-              <a:t>7/24/2022</a:t>
+              <a:t>10/22/2023</a:t>
             </a:fld>
             <a:endParaRPr lang="en-US"/>
           </a:p>
@@ -469,7 +470,7 @@
           <a:p>
             <a:fld id="{2D8EB905-EBB6-48B4-B888-C05DEA69D18C}" type="datetimeFigureOut">
               <a:rPr lang="en-US" smtClean="0"/>
-              <a:t>7/24/2022</a:t>
+              <a:t>10/22/2023</a:t>
             </a:fld>
             <a:endParaRPr lang="en-US"/>
           </a:p>
@@ -677,7 +678,7 @@
           <a:p>
             <a:fld id="{2D8EB905-EBB6-48B4-B888-C05DEA69D18C}" type="datetimeFigureOut">
               <a:rPr lang="en-US" smtClean="0"/>
-              <a:t>7/24/2022</a:t>
+              <a:t>10/22/2023</a:t>
             </a:fld>
             <a:endParaRPr lang="en-US"/>
           </a:p>
@@ -875,7 +876,7 @@
           <a:p>
             <a:fld id="{2D8EB905-EBB6-48B4-B888-C05DEA69D18C}" type="datetimeFigureOut">
               <a:rPr lang="en-US" smtClean="0"/>
-              <a:t>7/24/2022</a:t>
+              <a:t>10/22/2023</a:t>
             </a:fld>
             <a:endParaRPr lang="en-US"/>
           </a:p>
@@ -1150,7 +1151,7 @@
           <a:p>
             <a:fld id="{2D8EB905-EBB6-48B4-B888-C05DEA69D18C}" type="datetimeFigureOut">
               <a:rPr lang="en-US" smtClean="0"/>
-              <a:t>7/24/2022</a:t>
+              <a:t>10/22/2023</a:t>
             </a:fld>
             <a:endParaRPr lang="en-US"/>
           </a:p>
@@ -1415,7 +1416,7 @@
           <a:p>
             <a:fld id="{2D8EB905-EBB6-48B4-B888-C05DEA69D18C}" type="datetimeFigureOut">
               <a:rPr lang="en-US" smtClean="0"/>
-              <a:t>7/24/2022</a:t>
+              <a:t>10/22/2023</a:t>
             </a:fld>
             <a:endParaRPr lang="en-US"/>
           </a:p>
@@ -1827,7 +1828,7 @@
           <a:p>
             <a:fld id="{2D8EB905-EBB6-48B4-B888-C05DEA69D18C}" type="datetimeFigureOut">
               <a:rPr lang="en-US" smtClean="0"/>
-              <a:t>7/24/2022</a:t>
+              <a:t>10/22/2023</a:t>
             </a:fld>
             <a:endParaRPr lang="en-US"/>
           </a:p>
@@ -1968,7 +1969,7 @@
           <a:p>
             <a:fld id="{2D8EB905-EBB6-48B4-B888-C05DEA69D18C}" type="datetimeFigureOut">
               <a:rPr lang="en-US" smtClean="0"/>
-              <a:t>7/24/2022</a:t>
+              <a:t>10/22/2023</a:t>
             </a:fld>
             <a:endParaRPr lang="en-US"/>
           </a:p>
@@ -2081,7 +2082,7 @@
           <a:p>
             <a:fld id="{2D8EB905-EBB6-48B4-B888-C05DEA69D18C}" type="datetimeFigureOut">
               <a:rPr lang="en-US" smtClean="0"/>
-              <a:t>7/24/2022</a:t>
+              <a:t>10/22/2023</a:t>
             </a:fld>
             <a:endParaRPr lang="en-US"/>
           </a:p>
@@ -2392,7 +2393,7 @@
           <a:p>
             <a:fld id="{2D8EB905-EBB6-48B4-B888-C05DEA69D18C}" type="datetimeFigureOut">
               <a:rPr lang="en-US" smtClean="0"/>
-              <a:t>7/24/2022</a:t>
+              <a:t>10/22/2023</a:t>
             </a:fld>
             <a:endParaRPr lang="en-US"/>
           </a:p>
@@ -2680,7 +2681,7 @@
           <a:p>
             <a:fld id="{2D8EB905-EBB6-48B4-B888-C05DEA69D18C}" type="datetimeFigureOut">
               <a:rPr lang="en-US" smtClean="0"/>
-              <a:t>7/24/2022</a:t>
+              <a:t>10/22/2023</a:t>
             </a:fld>
             <a:endParaRPr lang="en-US"/>
           </a:p>
@@ -2921,7 +2922,7 @@
           <a:p>
             <a:fld id="{2D8EB905-EBB6-48B4-B888-C05DEA69D18C}" type="datetimeFigureOut">
               <a:rPr lang="en-US" smtClean="0"/>
-              <a:t>7/24/2022</a:t>
+              <a:t>10/22/2023</a:t>
             </a:fld>
             <a:endParaRPr lang="en-US"/>
           </a:p>
@@ -3940,6 +3941,123 @@
 </p:sld>
 </file>
 
+<file path=ppt/slides/slide14.xml><?xml version="1.0" encoding="utf-8"?>
+<p:sld xmlns:a="http://schemas.openxmlformats.org/drawingml/2006/main" xmlns:r="http://schemas.openxmlformats.org/officeDocument/2006/relationships" xmlns:p="http://schemas.openxmlformats.org/presentationml/2006/main">
+  <p:cSld>
+    <p:spTree>
+      <p:nvGrpSpPr>
+        <p:cNvPr id="1" name=""/>
+        <p:cNvGrpSpPr/>
+        <p:nvPr/>
+      </p:nvGrpSpPr>
+      <p:grpSpPr>
+        <a:xfrm>
+          <a:off x="0" y="0"/>
+          <a:ext cx="0" cy="0"/>
+          <a:chOff x="0" y="0"/>
+          <a:chExt cx="0" cy="0"/>
+        </a:xfrm>
+      </p:grpSpPr>
+      <p:sp>
+        <p:nvSpPr>
+          <p:cNvPr id="2" name="Title 1">
+            <a:extLst>
+              <a:ext uri="{FF2B5EF4-FFF2-40B4-BE49-F238E27FC236}">
+                <a16:creationId xmlns:a16="http://schemas.microsoft.com/office/drawing/2014/main" id="{AF2358A5-04CD-4254-A497-1A20E6802E1E}"/>
+              </a:ext>
+            </a:extLst>
+          </p:cNvPr>
+          <p:cNvSpPr>
+            <a:spLocks noGrp="1"/>
+          </p:cNvSpPr>
+          <p:nvPr>
+            <p:ph type="title"/>
+          </p:nvPr>
+        </p:nvSpPr>
+        <p:spPr>
+          <a:xfrm>
+            <a:off x="695325" y="531812"/>
+            <a:ext cx="10515600" cy="606425"/>
+          </a:xfrm>
+        </p:spPr>
+        <p:txBody>
+          <a:bodyPr>
+            <a:normAutofit/>
+          </a:bodyPr>
+          <a:lstStyle/>
+          <a:p>
+            <a:r>
+              <a:rPr lang="en-GB" sz="2800" b="1" dirty="0">
+                <a:latin typeface="Times New Roman" panose="02020603050405020304" pitchFamily="18" charset="0"/>
+                <a:cs typeface="Times New Roman" panose="02020603050405020304" pitchFamily="18" charset="0"/>
+              </a:rPr>
+              <a:t>References:</a:t>
+            </a:r>
+          </a:p>
+        </p:txBody>
+      </p:sp>
+      <p:sp>
+        <p:nvSpPr>
+          <p:cNvPr id="3" name="Content Placeholder 2">
+            <a:extLst>
+              <a:ext uri="{FF2B5EF4-FFF2-40B4-BE49-F238E27FC236}">
+                <a16:creationId xmlns:a16="http://schemas.microsoft.com/office/drawing/2014/main" id="{B37DD1F7-A3F0-428D-8A64-C04F984C3DCE}"/>
+              </a:ext>
+            </a:extLst>
+          </p:cNvPr>
+          <p:cNvSpPr>
+            <a:spLocks noGrp="1"/>
+          </p:cNvSpPr>
+          <p:nvPr>
+            <p:ph idx="1"/>
+          </p:nvPr>
+        </p:nvSpPr>
+        <p:spPr>
+          <a:xfrm>
+            <a:off x="695325" y="1368425"/>
+            <a:ext cx="10515600" cy="4351338"/>
+          </a:xfrm>
+        </p:spPr>
+        <p:txBody>
+          <a:bodyPr>
+            <a:normAutofit/>
+          </a:bodyPr>
+          <a:lstStyle/>
+          <a:p>
+            <a:r>
+              <a:rPr lang="en-GB" sz="1800" dirty="0">
+                <a:latin typeface="Times New Roman" panose="02020603050405020304" pitchFamily="18" charset="0"/>
+                <a:cs typeface="Times New Roman" panose="02020603050405020304" pitchFamily="18" charset="0"/>
+                <a:hlinkClick r:id="rId2"/>
+              </a:rPr>
+              <a:t>https://www.youtube.com/watch?v=GBMMtXRiQX0</a:t>
+            </a:r>
+            <a:endParaRPr lang="en-GB" sz="1800" dirty="0">
+              <a:latin typeface="Times New Roman" panose="02020603050405020304" pitchFamily="18" charset="0"/>
+              <a:cs typeface="Times New Roman" panose="02020603050405020304" pitchFamily="18" charset="0"/>
+            </a:endParaRPr>
+          </a:p>
+          <a:p>
+            <a:endParaRPr lang="en-GB" sz="1800" dirty="0">
+              <a:latin typeface="Times New Roman" panose="02020603050405020304" pitchFamily="18" charset="0"/>
+              <a:cs typeface="Times New Roman" panose="02020603050405020304" pitchFamily="18" charset="0"/>
+            </a:endParaRPr>
+          </a:p>
+        </p:txBody>
+      </p:sp>
+    </p:spTree>
+    <p:extLst>
+      <p:ext uri="{BB962C8B-B14F-4D97-AF65-F5344CB8AC3E}">
+        <p14:creationId xmlns:p14="http://schemas.microsoft.com/office/powerpoint/2010/main" val="4095476739"/>
+      </p:ext>
+    </p:extLst>
+  </p:cSld>
+  <p:clrMapOvr>
+    <a:masterClrMapping/>
+  </p:clrMapOvr>
+</p:sld>
+</file>
+
 <file path=ppt/slides/slide2.xml><?xml version="1.0" encoding="utf-8"?>
 <p:sld xmlns:a="http://schemas.openxmlformats.org/drawingml/2006/main" xmlns:r="http://schemas.openxmlformats.org/officeDocument/2006/relationships" xmlns:p="http://schemas.openxmlformats.org/presentationml/2006/main">
   <p:cSld>
@@ -4547,6 +4665,82 @@
                 <a:srgbClr val="292929"/>
               </a:solidFill>
             </a:endParaRPr>
+          </a:p>
+        </p:txBody>
+      </p:sp>
+      <p:cxnSp>
+        <p:nvCxnSpPr>
+          <p:cNvPr id="5" name="Straight Arrow Connector 4">
+            <a:extLst>
+              <a:ext uri="{FF2B5EF4-FFF2-40B4-BE49-F238E27FC236}">
+                <a16:creationId xmlns:a16="http://schemas.microsoft.com/office/drawing/2014/main" id="{1888A596-5FFE-4F9B-B8B1-5E985B6B020C}"/>
+              </a:ext>
+            </a:extLst>
+          </p:cNvPr>
+          <p:cNvCxnSpPr>
+            <a:cxnSpLocks/>
+          </p:cNvCxnSpPr>
+          <p:nvPr/>
+        </p:nvCxnSpPr>
+        <p:spPr>
+          <a:xfrm flipV="1">
+            <a:off x="8415338" y="3429000"/>
+            <a:ext cx="300037" cy="385764"/>
+          </a:xfrm>
+          <a:prstGeom prst="straightConnector1">
+            <a:avLst/>
+          </a:prstGeom>
+          <a:ln w="28575">
+            <a:tailEnd type="triangle"/>
+          </a:ln>
+        </p:spPr>
+        <p:style>
+          <a:lnRef idx="1">
+            <a:schemeClr val="dk1"/>
+          </a:lnRef>
+          <a:fillRef idx="0">
+            <a:schemeClr val="dk1"/>
+          </a:fillRef>
+          <a:effectRef idx="0">
+            <a:schemeClr val="dk1"/>
+          </a:effectRef>
+          <a:fontRef idx="minor">
+            <a:schemeClr val="tx1"/>
+          </a:fontRef>
+        </p:style>
+      </p:cxnSp>
+      <p:sp>
+        <p:nvSpPr>
+          <p:cNvPr id="8" name="TextBox 7">
+            <a:extLst>
+              <a:ext uri="{FF2B5EF4-FFF2-40B4-BE49-F238E27FC236}">
+                <a16:creationId xmlns:a16="http://schemas.microsoft.com/office/drawing/2014/main" id="{0A766AFB-7913-45FE-98E8-C447E9F667F3}"/>
+              </a:ext>
+            </a:extLst>
+          </p:cNvPr>
+          <p:cNvSpPr txBox="1"/>
+          <p:nvPr/>
+        </p:nvSpPr>
+        <p:spPr>
+          <a:xfrm>
+            <a:off x="8301038" y="3059668"/>
+            <a:ext cx="1116011" cy="369332"/>
+          </a:xfrm>
+          <a:prstGeom prst="rect">
+            <a:avLst/>
+          </a:prstGeom>
+          <a:noFill/>
+        </p:spPr>
+        <p:txBody>
+          <a:bodyPr wrap="none" rtlCol="0">
+            <a:spAutoFit/>
+          </a:bodyPr>
+          <a:lstStyle/>
+          <a:p>
+            <a:r>
+              <a:rPr lang="en-GB" b="1" dirty="0"/>
+              <a:t>Condition</a:t>
+            </a:r>
           </a:p>
         </p:txBody>
       </p:sp>
@@ -5075,7 +5269,7 @@
               <a:p>
                 <a:pPr algn="l"/>
                 <a:r>
-                  <a:rPr lang="en-US" sz="2000" dirty="0">
+                  <a:rPr lang="en-US" sz="2000" b="1" dirty="0">
                     <a:solidFill>
                       <a:srgbClr val="4D5156"/>
                     </a:solidFill>
@@ -5180,7 +5374,7 @@
               <a:lstStyle/>
               <a:p>
                 <a:r>
-                  <a:rPr lang="en-US">
+                  <a:rPr lang="en-GB">
                     <a:noFill/>
                   </a:rPr>
                   <a:t> </a:t>
@@ -5467,16 +5661,35 @@
                 </a:solidFill>
                 <a:effectLst/>
               </a:rPr>
-              <a:t>A posterior probability, in Bayesian statistics, is the revised or updated probability of an event occurring after taking into consideration new information. The posterior probability is calculated by updating the </a:t>
-            </a:r>
-            <a:r>
-              <a:rPr lang="en-US" sz="2000" b="0" i="0" u="sng" dirty="0">
-                <a:solidFill>
-                  <a:srgbClr val="2C40D0"/>
+              <a:t>A </a:t>
+            </a:r>
+            <a:r>
+              <a:rPr lang="en-US" sz="2000" b="0" i="0" dirty="0">
+                <a:solidFill>
+                  <a:srgbClr val="111111"/>
                 </a:solidFill>
                 <a:effectLst/>
                 <a:hlinkClick r:id="rId2"/>
               </a:rPr>
+              <a:t>posterior probability</a:t>
+            </a:r>
+            <a:r>
+              <a:rPr lang="en-US" sz="2000" b="0" i="0" dirty="0">
+                <a:solidFill>
+                  <a:srgbClr val="111111"/>
+                </a:solidFill>
+                <a:effectLst/>
+              </a:rPr>
+              <a:t>, in Bayesian statistics, is the revised or updated probability of an event occurring after taking into consideration new information. The posterior probability is calculated by updating the </a:t>
+            </a:r>
+            <a:r>
+              <a:rPr lang="en-US" sz="2000" b="0" i="0" u="sng" dirty="0">
+                <a:solidFill>
+                  <a:srgbClr val="2C40D0"/>
+                </a:solidFill>
+                <a:effectLst/>
+                <a:hlinkClick r:id="rId3"/>
+              </a:rPr>
               <a:t>prior probability</a:t>
             </a:r>
             <a:r>
@@ -5494,7 +5707,7 @@
                   <a:srgbClr val="2C40D0"/>
                 </a:solidFill>
                 <a:effectLst/>
-                <a:hlinkClick r:id="rId3"/>
+                <a:hlinkClick r:id="rId4"/>
               </a:rPr>
               <a:t>Bayes' theorem</a:t>
             </a:r>
